--- a/Sheets/typescript workshop.pptx
+++ b/Sheets/typescript workshop.pptx
@@ -13219,10 +13219,6 @@
               <a:rPr lang="nl-NL" dirty="0"/>
               <a:t> { </a:t>
             </a:r>
-            <a:r>
-              <a:rPr lang="nl-NL" dirty="0"/>
-              <a:t/>
-            </a:r>
             <a:br>
               <a:rPr lang="nl-NL" dirty="0"/>
             </a:br>
@@ -13415,7 +13411,6 @@
               <a:rPr lang="nl-NL" dirty="0"/>
               <a:t>) { } }</a:t>
             </a:r>
-            <a:endParaRPr lang="nl-NL" dirty="0"/>
           </a:p>
         </p:txBody>
       </p:sp>
@@ -14645,7 +14640,6 @@
               <a:rPr lang="nl-NL" dirty="0"/>
               <a:t>=&gt; console.log(item));</a:t>
             </a:r>
-            <a:endParaRPr lang="nl-NL" dirty="0"/>
           </a:p>
         </p:txBody>
       </p:sp>
@@ -16747,11 +16741,7 @@
           <a:p>
             <a:r>
               <a:rPr lang="nl-NL" dirty="0" smtClean="0"/>
-              <a:t>TypeScript voor het eerst gepubliceerd in </a:t>
-            </a:r>
-            <a:r>
-              <a:rPr lang="nl-NL" dirty="0" smtClean="0"/>
-              <a:t>2012</a:t>
+              <a:t>TypeScript voor het eerst gepubliceerd in 2012</a:t>
             </a:r>
           </a:p>
           <a:p>
@@ -17083,8 +17073,17 @@
             </a:r>
             <a:r>
               <a:rPr lang="nl-NL" dirty="0"/>
-              <a:t>: https://github.com/EelcoMuller/TypeScriptWorkshop.git</a:t>
-            </a:r>
+              <a:t>: https</a:t>
+            </a:r>
+            <a:r>
+              <a:rPr lang="nl-NL"/>
+              <a:t>://</a:t>
+            </a:r>
+            <a:r>
+              <a:rPr lang="nl-NL" smtClean="0"/>
+              <a:t>github.com/EelcoMuller/TypeScriptWorkshop</a:t>
+            </a:r>
+            <a:endParaRPr lang="nl-NL" dirty="0"/>
           </a:p>
         </p:txBody>
       </p:sp>

--- a/Sheets/typescript workshop.pptx
+++ b/Sheets/typescript workshop.pptx
@@ -248,7 +248,7 @@
           <a:p>
             <a:fld id="{42472E6F-81C1-4100-A3DE-879B16ADA6B9}" type="datetimeFigureOut">
               <a:rPr lang="nl-NL" smtClean="0"/>
-              <a:t>6-1-2017</a:t>
+              <a:t>20-1-2017</a:t>
             </a:fld>
             <a:endParaRPr lang="nl-NL"/>
           </a:p>
@@ -1620,7 +1620,7 @@
           <a:p>
             <a:fld id="{35F65C51-E4BF-4FAD-97FA-C994B8CE38B5}" type="datetimeFigureOut">
               <a:rPr lang="nl-NL" smtClean="0"/>
-              <a:t>6-1-2017</a:t>
+              <a:t>20-1-2017</a:t>
             </a:fld>
             <a:endParaRPr lang="nl-NL"/>
           </a:p>
@@ -1790,7 +1790,7 @@
           <a:p>
             <a:fld id="{35F65C51-E4BF-4FAD-97FA-C994B8CE38B5}" type="datetimeFigureOut">
               <a:rPr lang="nl-NL" smtClean="0"/>
-              <a:t>6-1-2017</a:t>
+              <a:t>20-1-2017</a:t>
             </a:fld>
             <a:endParaRPr lang="nl-NL"/>
           </a:p>
@@ -1970,7 +1970,7 @@
           <a:p>
             <a:fld id="{35F65C51-E4BF-4FAD-97FA-C994B8CE38B5}" type="datetimeFigureOut">
               <a:rPr lang="nl-NL" smtClean="0"/>
-              <a:t>6-1-2017</a:t>
+              <a:t>20-1-2017</a:t>
             </a:fld>
             <a:endParaRPr lang="nl-NL"/>
           </a:p>
@@ -2140,7 +2140,7 @@
           <a:p>
             <a:fld id="{35F65C51-E4BF-4FAD-97FA-C994B8CE38B5}" type="datetimeFigureOut">
               <a:rPr lang="nl-NL" smtClean="0"/>
-              <a:t>6-1-2017</a:t>
+              <a:t>20-1-2017</a:t>
             </a:fld>
             <a:endParaRPr lang="nl-NL"/>
           </a:p>
@@ -2386,7 +2386,7 @@
           <a:p>
             <a:fld id="{35F65C51-E4BF-4FAD-97FA-C994B8CE38B5}" type="datetimeFigureOut">
               <a:rPr lang="nl-NL" smtClean="0"/>
-              <a:t>6-1-2017</a:t>
+              <a:t>20-1-2017</a:t>
             </a:fld>
             <a:endParaRPr lang="nl-NL"/>
           </a:p>
@@ -2618,7 +2618,7 @@
           <a:p>
             <a:fld id="{35F65C51-E4BF-4FAD-97FA-C994B8CE38B5}" type="datetimeFigureOut">
               <a:rPr lang="nl-NL" smtClean="0"/>
-              <a:t>6-1-2017</a:t>
+              <a:t>20-1-2017</a:t>
             </a:fld>
             <a:endParaRPr lang="nl-NL"/>
           </a:p>
@@ -2985,7 +2985,7 @@
           <a:p>
             <a:fld id="{35F65C51-E4BF-4FAD-97FA-C994B8CE38B5}" type="datetimeFigureOut">
               <a:rPr lang="nl-NL" smtClean="0"/>
-              <a:t>6-1-2017</a:t>
+              <a:t>20-1-2017</a:t>
             </a:fld>
             <a:endParaRPr lang="nl-NL"/>
           </a:p>
@@ -3103,7 +3103,7 @@
           <a:p>
             <a:fld id="{35F65C51-E4BF-4FAD-97FA-C994B8CE38B5}" type="datetimeFigureOut">
               <a:rPr lang="nl-NL" smtClean="0"/>
-              <a:t>6-1-2017</a:t>
+              <a:t>20-1-2017</a:t>
             </a:fld>
             <a:endParaRPr lang="nl-NL"/>
           </a:p>
@@ -3198,7 +3198,7 @@
           <a:p>
             <a:fld id="{35F65C51-E4BF-4FAD-97FA-C994B8CE38B5}" type="datetimeFigureOut">
               <a:rPr lang="nl-NL" smtClean="0"/>
-              <a:t>6-1-2017</a:t>
+              <a:t>20-1-2017</a:t>
             </a:fld>
             <a:endParaRPr lang="nl-NL"/>
           </a:p>
@@ -3475,7 +3475,7 @@
           <a:p>
             <a:fld id="{35F65C51-E4BF-4FAD-97FA-C994B8CE38B5}" type="datetimeFigureOut">
               <a:rPr lang="nl-NL" smtClean="0"/>
-              <a:t>6-1-2017</a:t>
+              <a:t>20-1-2017</a:t>
             </a:fld>
             <a:endParaRPr lang="nl-NL"/>
           </a:p>
@@ -3728,7 +3728,7 @@
           <a:p>
             <a:fld id="{35F65C51-E4BF-4FAD-97FA-C994B8CE38B5}" type="datetimeFigureOut">
               <a:rPr lang="nl-NL" smtClean="0"/>
-              <a:t>6-1-2017</a:t>
+              <a:t>20-1-2017</a:t>
             </a:fld>
             <a:endParaRPr lang="nl-NL"/>
           </a:p>
@@ -3941,7 +3941,7 @@
           <a:p>
             <a:fld id="{35F65C51-E4BF-4FAD-97FA-C994B8CE38B5}" type="datetimeFigureOut">
               <a:rPr lang="nl-NL" smtClean="0"/>
-              <a:t>6-1-2017</a:t>
+              <a:t>20-1-2017</a:t>
             </a:fld>
             <a:endParaRPr lang="nl-NL"/>
           </a:p>
@@ -14292,34 +14292,145 @@
           <a:p>
             <a:r>
               <a:rPr lang="en-US" dirty="0"/>
-              <a:t>Netscape asked </a:t>
-            </a:r>
-            <a:r>
-              <a:rPr lang="en-US" dirty="0" err="1"/>
+              <a:t>Netscape </a:t>
+            </a:r>
+            <a:r>
+              <a:rPr lang="en-US" dirty="0" smtClean="0"/>
+              <a:t>heft </a:t>
+            </a:r>
+            <a:r>
+              <a:rPr lang="en-US" dirty="0" err="1" smtClean="0"/>
               <a:t>Ecma</a:t>
             </a:r>
             <a:r>
+              <a:rPr lang="en-US" dirty="0" smtClean="0"/>
+              <a:t> International </a:t>
+            </a:r>
+            <a:r>
+              <a:rPr lang="en-US" dirty="0" err="1" smtClean="0"/>
+              <a:t>gevraagd</a:t>
+            </a:r>
+            <a:r>
+              <a:rPr lang="en-US" dirty="0" smtClean="0"/>
+              <a:t> om </a:t>
+            </a:r>
+            <a:r>
+              <a:rPr lang="en-US" dirty="0" err="1" smtClean="0"/>
+              <a:t>een</a:t>
+            </a:r>
+            <a:r>
+              <a:rPr lang="en-US" dirty="0" smtClean="0"/>
+              <a:t> </a:t>
+            </a:r>
+            <a:r>
+              <a:rPr lang="en-US" dirty="0" err="1" smtClean="0"/>
+              <a:t>specificatie</a:t>
+            </a:r>
+            <a:r>
+              <a:rPr lang="en-US" dirty="0" smtClean="0"/>
+              <a:t> </a:t>
+            </a:r>
+            <a:r>
+              <a:rPr lang="en-US" dirty="0" err="1" smtClean="0"/>
+              <a:t>te</a:t>
+            </a:r>
+            <a:r>
+              <a:rPr lang="en-US" dirty="0" smtClean="0"/>
+              <a:t> </a:t>
+            </a:r>
+            <a:r>
+              <a:rPr lang="en-US" dirty="0" err="1" smtClean="0"/>
+              <a:t>maken</a:t>
+            </a:r>
+            <a:endParaRPr lang="en-US" dirty="0"/>
+          </a:p>
+          <a:p>
+            <a:r>
+              <a:rPr lang="en-US" dirty="0" err="1" smtClean="0"/>
+              <a:t>Gestart</a:t>
+            </a:r>
+            <a:r>
+              <a:rPr lang="en-US" dirty="0" smtClean="0"/>
+              <a:t> in </a:t>
+            </a:r>
+            <a:r>
               <a:rPr lang="en-US" dirty="0"/>
-              <a:t> International to create specification</a:t>
-            </a:r>
-          </a:p>
-          <a:p>
+              <a:t>1996, </a:t>
+            </a:r>
+            <a:r>
+              <a:rPr lang="en-US" dirty="0" err="1" smtClean="0"/>
+              <a:t>eerste</a:t>
+            </a:r>
+            <a:r>
+              <a:rPr lang="en-US" dirty="0" smtClean="0"/>
+              <a:t> release in </a:t>
+            </a:r>
             <a:r>
               <a:rPr lang="en-US" dirty="0"/>
-              <a:t>Started in 1996, first release in 1997</a:t>
-            </a:r>
-          </a:p>
-          <a:p>
+              <a:t>1997</a:t>
+            </a:r>
+          </a:p>
+          <a:p>
+            <a:r>
+              <a:rPr lang="en-US" dirty="0" err="1" smtClean="0"/>
+              <a:t>Eerste</a:t>
+            </a:r>
+            <a:r>
+              <a:rPr lang="en-US" dirty="0" smtClean="0"/>
+              <a:t> </a:t>
+            </a:r>
+            <a:r>
+              <a:rPr lang="en-US" dirty="0" err="1" smtClean="0"/>
+              <a:t>versie</a:t>
+            </a:r>
+            <a:r>
+              <a:rPr lang="en-US" dirty="0" smtClean="0"/>
+              <a:t> ECMAScript </a:t>
+            </a:r>
             <a:r>
               <a:rPr lang="en-US" dirty="0"/>
-              <a:t>First version of ECMAScript was based on JavaScript</a:t>
-            </a:r>
-          </a:p>
-          <a:p>
-            <a:r>
-              <a:rPr lang="en-US" dirty="0"/>
-              <a:t>All implementations are based on ECMAScript</a:t>
-            </a:r>
+              <a:t>was </a:t>
+            </a:r>
+            <a:r>
+              <a:rPr lang="en-US" dirty="0" err="1" smtClean="0"/>
+              <a:t>gebaseerd</a:t>
+            </a:r>
+            <a:r>
+              <a:rPr lang="en-US" dirty="0" smtClean="0"/>
+              <a:t> op JavaScript</a:t>
+            </a:r>
+            <a:endParaRPr lang="en-US" dirty="0"/>
+          </a:p>
+          <a:p>
+            <a:r>
+              <a:rPr lang="en-US" dirty="0" err="1" smtClean="0"/>
+              <a:t>Alle</a:t>
+            </a:r>
+            <a:r>
+              <a:rPr lang="en-US" dirty="0" smtClean="0"/>
+              <a:t> </a:t>
+            </a:r>
+            <a:r>
+              <a:rPr lang="en-US" dirty="0" err="1" smtClean="0"/>
+              <a:t>implementaties</a:t>
+            </a:r>
+            <a:r>
+              <a:rPr lang="en-US" dirty="0" smtClean="0"/>
+              <a:t> </a:t>
+            </a:r>
+            <a:r>
+              <a:rPr lang="en-US" dirty="0" err="1" smtClean="0"/>
+              <a:t>gebaseerd</a:t>
+            </a:r>
+            <a:r>
+              <a:rPr lang="en-US" dirty="0" smtClean="0"/>
+              <a:t> op </a:t>
+            </a:r>
+            <a:r>
+              <a:rPr lang="en-US" dirty="0" err="1" smtClean="0"/>
+              <a:t>CMAScript</a:t>
+            </a:r>
+            <a:endParaRPr lang="en-US" dirty="0"/>
           </a:p>
           <a:p>
             <a:r>
@@ -15323,23 +15434,63 @@
               </a:spcBef>
             </a:pPr>
             <a:r>
+              <a:rPr lang="en-US" dirty="0" err="1" smtClean="0"/>
+              <a:t>Kan</a:t>
+            </a:r>
+            <a:r>
+              <a:rPr lang="en-US" dirty="0" smtClean="0"/>
+              <a:t> </a:t>
+            </a:r>
+            <a:r>
+              <a:rPr lang="en-US" dirty="0" err="1" smtClean="0"/>
+              <a:t>worden</a:t>
+            </a:r>
+            <a:r>
+              <a:rPr lang="en-US" dirty="0" smtClean="0"/>
+              <a:t> </a:t>
+            </a:r>
+            <a:r>
+              <a:rPr lang="en-US" dirty="0" err="1" smtClean="0"/>
+              <a:t>vergeleken</a:t>
+            </a:r>
+            <a:r>
+              <a:rPr lang="en-US" dirty="0" smtClean="0"/>
+              <a:t> met de </a:t>
+            </a:r>
+            <a:r>
               <a:rPr lang="en-US" dirty="0"/>
-              <a:t>Can be compared to Java’s “Future” class</a:t>
+              <a:t>Java’s “Future” class</a:t>
             </a:r>
           </a:p>
           <a:p>
             <a:pPr indent="-389457"/>
             <a:r>
+              <a:rPr lang="en-US" dirty="0" err="1" smtClean="0"/>
+              <a:t>Handig</a:t>
+            </a:r>
+            <a:r>
+              <a:rPr lang="en-US" dirty="0" smtClean="0"/>
+              <a:t> </a:t>
+            </a:r>
+            <a:r>
+              <a:rPr lang="en-US" dirty="0" err="1" smtClean="0"/>
+              <a:t>voor</a:t>
+            </a:r>
+            <a:r>
+              <a:rPr lang="en-US" dirty="0" smtClean="0"/>
+              <a:t> </a:t>
+            </a:r>
+            <a:r>
+              <a:rPr lang="en-US" dirty="0" err="1" smtClean="0"/>
+              <a:t>async</a:t>
+            </a:r>
+            <a:r>
+              <a:rPr lang="en-US" dirty="0" smtClean="0"/>
+              <a:t> </a:t>
+            </a:r>
+            <a:r>
               <a:rPr lang="en-US" dirty="0"/>
-              <a:t>Handy for handling </a:t>
-            </a:r>
-            <a:r>
-              <a:rPr lang="en-US" dirty="0" err="1"/>
-              <a:t>async</a:t>
-            </a:r>
-            <a:r>
-              <a:rPr lang="en-US" dirty="0"/>
-              <a:t> operations</a:t>
+              <a:t>operations</a:t>
             </a:r>
           </a:p>
           <a:p>
@@ -15352,42 +15503,7 @@
               <a:rPr lang="en-US" dirty="0" smtClean="0"/>
               <a:t>hell</a:t>
             </a:r>
-          </a:p>
-          <a:p>
-            <a:pPr indent="-389457"/>
-            <a:r>
-              <a:rPr lang="en-US" dirty="0" err="1" smtClean="0"/>
-              <a:t>Werkt</a:t>
-            </a:r>
-            <a:r>
-              <a:rPr lang="en-US" dirty="0" smtClean="0"/>
-              <a:t> </a:t>
-            </a:r>
-            <a:r>
-              <a:rPr lang="en-US" dirty="0" err="1" smtClean="0"/>
-              <a:t>alleen</a:t>
-            </a:r>
-            <a:r>
-              <a:rPr lang="en-US" dirty="0" smtClean="0"/>
-              <a:t> maar </a:t>
-            </a:r>
-            <a:r>
-              <a:rPr lang="en-US" dirty="0" err="1" smtClean="0"/>
-              <a:t>als</a:t>
-            </a:r>
-            <a:r>
-              <a:rPr lang="en-US" dirty="0" smtClean="0"/>
-              <a:t> </a:t>
-            </a:r>
-            <a:r>
-              <a:rPr lang="en-US" dirty="0" err="1" smtClean="0"/>
-              <a:t>er</a:t>
-            </a:r>
-            <a:r>
-              <a:rPr lang="en-US" dirty="0" smtClean="0"/>
-              <a:t> </a:t>
-            </a:r>
-            <a:endParaRPr lang="en-US" dirty="0"/>
+            <a:endParaRPr lang="en-US" dirty="0" smtClean="0"/>
           </a:p>
         </p:txBody>
       </p:sp>
@@ -17269,12 +17385,8 @@
               <a:t>Java </a:t>
             </a:r>
             <a:r>
-              <a:rPr lang="en-US" dirty="0" err="1" smtClean="0"/>
-              <a:t>heeftblock</a:t>
-            </a:r>
-            <a:r>
               <a:rPr lang="en-US" dirty="0" smtClean="0"/>
-              <a:t>-level </a:t>
+              <a:t>heft block-level </a:t>
             </a:r>
             <a:r>
               <a:rPr lang="en-US" dirty="0"/>
@@ -17288,8 +17400,16 @@
               <a:t>JavaScript </a:t>
             </a:r>
             <a:r>
+              <a:rPr lang="en-US" dirty="0" err="1" smtClean="0"/>
+              <a:t>heeft</a:t>
+            </a:r>
+            <a:r>
               <a:rPr lang="en-US" dirty="0" smtClean="0"/>
-              <a:t>heft function-level </a:t>
+              <a:t> </a:t>
+            </a:r>
+            <a:r>
+              <a:rPr lang="en-US" dirty="0" smtClean="0"/>
+              <a:t>function-level </a:t>
             </a:r>
             <a:r>
               <a:rPr lang="en-US" dirty="0"/>
@@ -17329,34 +17449,7 @@
               <a:rPr lang="en-US" dirty="0" smtClean="0"/>
               <a:t>function</a:t>
             </a:r>
-          </a:p>
-          <a:p>
-            <a:pPr indent="-389457"/>
-            <a:r>
-              <a:rPr lang="en-US" dirty="0" err="1" smtClean="0"/>
-              <a:t>Heeft</a:t>
-            </a:r>
-            <a:r>
-              <a:rPr lang="en-US" dirty="0" smtClean="0"/>
-              <a:t> </a:t>
-            </a:r>
-            <a:r>
-              <a:rPr lang="en-US" dirty="0" err="1" smtClean="0"/>
-              <a:t>dus</a:t>
-            </a:r>
-            <a:r>
-              <a:rPr lang="en-US" dirty="0" smtClean="0"/>
-              <a:t> </a:t>
-            </a:r>
-            <a:r>
-              <a:rPr lang="en-US" dirty="0" err="1" smtClean="0"/>
-              <a:t>ook</a:t>
-            </a:r>
-            <a:r>
-              <a:rPr lang="en-US" dirty="0" smtClean="0"/>
-              <a:t> impact op this</a:t>
-            </a:r>
-            <a:endParaRPr lang="en-US" dirty="0"/>
+            <a:endParaRPr lang="en-US" dirty="0" smtClean="0"/>
           </a:p>
         </p:txBody>
       </p:sp>
